--- a/SICUREZZA INFORMATICA E INTERNET/MATERIALE CORSO/50-ecc-basics.pptx
+++ b/SICUREZZA INFORMATICA E INTERNET/MATERIALE CORSO/50-ecc-basics.pptx
@@ -3379,12 +3379,12 @@
           <a:graphicData uri="http://schemas.openxmlformats.org/presentationml/2006/ole">
             <mc:AlternateContent xmlns:mc="http://schemas.openxmlformats.org/markup-compatibility/2006">
               <mc:Choice xmlns:v="urn:schemas-microsoft-com:vml" Requires="v">
-                <p:oleObj spid="_x0000_s89108" name="Equazione" r:id="rId3" imgW="1333440" imgH="2057400" progId="Equation.3">
+                <p:oleObj name="Equazione" r:id="rId2" imgW="1333440" imgH="2057400" progId="Equation.3">
                   <p:embed/>
                 </p:oleObj>
               </mc:Choice>
               <mc:Fallback>
-                <p:oleObj name="Equazione" r:id="rId3" imgW="1333440" imgH="2057400" progId="Equation.3">
+                <p:oleObj name="Equazione" r:id="rId2" imgW="1333440" imgH="2057400" progId="Equation.3">
                   <p:embed/>
                   <p:pic>
                     <p:nvPicPr>
@@ -3395,7 +3395,7 @@
                       <p:nvPr/>
                     </p:nvPicPr>
                     <p:blipFill>
-                      <a:blip r:embed="rId4">
+                      <a:blip r:embed="rId3">
                         <a:extLst>
                           <a:ext uri="{28A0092B-C50C-407E-A947-70E740481C1C}">
                             <a14:useLocalDpi xmlns:a14="http://schemas.microsoft.com/office/drawing/2010/main" val="0"/>
@@ -3489,7 +3489,7 @@
           <p:nvPr/>
         </p:nvPicPr>
         <p:blipFill>
-          <a:blip r:embed="rId3" cstate="print"/>
+          <a:blip r:embed="rId2" cstate="print"/>
           <a:srcRect/>
           <a:stretch>
             <a:fillRect/>
@@ -3975,12 +3975,12 @@
           <a:graphicData uri="http://schemas.openxmlformats.org/presentationml/2006/ole">
             <mc:AlternateContent xmlns:mc="http://schemas.openxmlformats.org/markup-compatibility/2006">
               <mc:Choice xmlns:v="urn:schemas-microsoft-com:vml" Requires="v">
-                <p:oleObj spid="_x0000_s112680" name="Equazione" r:id="rId4" imgW="2387520" imgH="431640" progId="Equation.3">
+                <p:oleObj name="Equazione" r:id="rId3" imgW="2387520" imgH="431640" progId="Equation.3">
                   <p:embed/>
                 </p:oleObj>
               </mc:Choice>
               <mc:Fallback>
-                <p:oleObj name="Equazione" r:id="rId4" imgW="2387520" imgH="431640" progId="Equation.3">
+                <p:oleObj name="Equazione" r:id="rId3" imgW="2387520" imgH="431640" progId="Equation.3">
                   <p:embed/>
                   <p:pic>
                     <p:nvPicPr>
@@ -3991,7 +3991,7 @@
                       <p:nvPr/>
                     </p:nvPicPr>
                     <p:blipFill>
-                      <a:blip r:embed="rId5">
+                      <a:blip r:embed="rId4">
                         <a:extLst>
                           <a:ext uri="{28A0092B-C50C-407E-A947-70E740481C1C}">
                             <a14:useLocalDpi xmlns:a14="http://schemas.microsoft.com/office/drawing/2010/main" val="0"/>
@@ -4076,12 +4076,12 @@
           <a:graphicData uri="http://schemas.openxmlformats.org/presentationml/2006/ole">
             <mc:AlternateContent xmlns:mc="http://schemas.openxmlformats.org/markup-compatibility/2006">
               <mc:Choice xmlns:v="urn:schemas-microsoft-com:vml" Requires="v">
-                <p:oleObj spid="_x0000_s112681" name="Equazione" r:id="rId6" imgW="2171520" imgH="2158920" progId="Equation.3">
+                <p:oleObj name="Equazione" r:id="rId5" imgW="2171520" imgH="2158920" progId="Equation.3">
                   <p:embed/>
                 </p:oleObj>
               </mc:Choice>
               <mc:Fallback>
-                <p:oleObj name="Equazione" r:id="rId6" imgW="2171520" imgH="2158920" progId="Equation.3">
+                <p:oleObj name="Equazione" r:id="rId5" imgW="2171520" imgH="2158920" progId="Equation.3">
                   <p:embed/>
                   <p:pic>
                     <p:nvPicPr>
@@ -4092,7 +4092,7 @@
                       <p:nvPr/>
                     </p:nvPicPr>
                     <p:blipFill>
-                      <a:blip r:embed="rId7">
+                      <a:blip r:embed="rId6">
                         <a:extLst>
                           <a:ext uri="{28A0092B-C50C-407E-A947-70E740481C1C}">
                             <a14:useLocalDpi xmlns:a14="http://schemas.microsoft.com/office/drawing/2010/main" val="0"/>
@@ -4190,7 +4190,7 @@
           <p:nvPr/>
         </p:nvPicPr>
         <p:blipFill>
-          <a:blip r:embed="rId3" cstate="print"/>
+          <a:blip r:embed="rId2" cstate="print"/>
           <a:srcRect/>
           <a:stretch>
             <a:fillRect/>
@@ -4580,12 +4580,12 @@
           <a:graphicData uri="http://schemas.openxmlformats.org/presentationml/2006/ole">
             <mc:AlternateContent xmlns:mc="http://schemas.openxmlformats.org/markup-compatibility/2006">
               <mc:Choice xmlns:v="urn:schemas-microsoft-com:vml" Requires="v">
-                <p:oleObj spid="_x0000_s113702" name="Equazione" r:id="rId4" imgW="2108160" imgH="215640" progId="Equation.3">
+                <p:oleObj name="Equazione" r:id="rId3" imgW="2108160" imgH="215640" progId="Equation.3">
                   <p:embed/>
                 </p:oleObj>
               </mc:Choice>
               <mc:Fallback>
-                <p:oleObj name="Equazione" r:id="rId4" imgW="2108160" imgH="215640" progId="Equation.3">
+                <p:oleObj name="Equazione" r:id="rId3" imgW="2108160" imgH="215640" progId="Equation.3">
                   <p:embed/>
                   <p:pic>
                     <p:nvPicPr>
@@ -4596,7 +4596,7 @@
                       <p:nvPr/>
                     </p:nvPicPr>
                     <p:blipFill>
-                      <a:blip r:embed="rId5">
+                      <a:blip r:embed="rId4">
                         <a:extLst>
                           <a:ext uri="{28A0092B-C50C-407E-A947-70E740481C1C}">
                             <a14:useLocalDpi xmlns:a14="http://schemas.microsoft.com/office/drawing/2010/main" val="0"/>
@@ -4681,12 +4681,12 @@
           <a:graphicData uri="http://schemas.openxmlformats.org/presentationml/2006/ole">
             <mc:AlternateContent xmlns:mc="http://schemas.openxmlformats.org/markup-compatibility/2006">
               <mc:Choice xmlns:v="urn:schemas-microsoft-com:vml" Requires="v">
-                <p:oleObj spid="_x0000_s113703" name="Equazione" r:id="rId6" imgW="1993680" imgH="1396800" progId="Equation.3">
+                <p:oleObj name="Equazione" r:id="rId5" imgW="1993680" imgH="1396800" progId="Equation.3">
                   <p:embed/>
                 </p:oleObj>
               </mc:Choice>
               <mc:Fallback>
-                <p:oleObj name="Equazione" r:id="rId6" imgW="1993680" imgH="1396800" progId="Equation.3">
+                <p:oleObj name="Equazione" r:id="rId5" imgW="1993680" imgH="1396800" progId="Equation.3">
                   <p:embed/>
                   <p:pic>
                     <p:nvPicPr>
@@ -4697,7 +4697,7 @@
                       <p:nvPr/>
                     </p:nvPicPr>
                     <p:blipFill>
-                      <a:blip r:embed="rId7">
+                      <a:blip r:embed="rId6">
                         <a:extLst>
                           <a:ext uri="{28A0092B-C50C-407E-A947-70E740481C1C}">
                             <a14:useLocalDpi xmlns:a14="http://schemas.microsoft.com/office/drawing/2010/main" val="0"/>
@@ -5947,12 +5947,12 @@
           <a:graphicData uri="http://schemas.openxmlformats.org/presentationml/2006/ole">
             <mc:AlternateContent xmlns:mc="http://schemas.openxmlformats.org/markup-compatibility/2006">
               <mc:Choice xmlns:v="urn:schemas-microsoft-com:vml" Requires="v">
-                <p:oleObj spid="_x0000_s114726" name="Equazione" r:id="rId3" imgW="3314520" imgH="228600" progId="Equation.3">
+                <p:oleObj name="Equazione" r:id="rId2" imgW="3314520" imgH="228600" progId="Equation.3">
                   <p:embed/>
                 </p:oleObj>
               </mc:Choice>
               <mc:Fallback>
-                <p:oleObj name="Equazione" r:id="rId3" imgW="3314520" imgH="228600" progId="Equation.3">
+                <p:oleObj name="Equazione" r:id="rId2" imgW="3314520" imgH="228600" progId="Equation.3">
                   <p:embed/>
                   <p:pic>
                     <p:nvPicPr>
@@ -5963,7 +5963,7 @@
                       <p:nvPr/>
                     </p:nvPicPr>
                     <p:blipFill>
-                      <a:blip r:embed="rId4">
+                      <a:blip r:embed="rId3">
                         <a:extLst>
                           <a:ext uri="{28A0092B-C50C-407E-A947-70E740481C1C}">
                             <a14:useLocalDpi xmlns:a14="http://schemas.microsoft.com/office/drawing/2010/main" val="0"/>
@@ -6017,12 +6017,12 @@
           <a:graphicData uri="http://schemas.openxmlformats.org/presentationml/2006/ole">
             <mc:AlternateContent xmlns:mc="http://schemas.openxmlformats.org/markup-compatibility/2006">
               <mc:Choice xmlns:v="urn:schemas-microsoft-com:vml" Requires="v">
-                <p:oleObj spid="_x0000_s114727" name="Equazione" r:id="rId5" imgW="1473120" imgH="2044440" progId="Equation.3">
+                <p:oleObj name="Equazione" r:id="rId4" imgW="1473120" imgH="2044440" progId="Equation.3">
                   <p:embed/>
                 </p:oleObj>
               </mc:Choice>
               <mc:Fallback>
-                <p:oleObj name="Equazione" r:id="rId5" imgW="1473120" imgH="2044440" progId="Equation.3">
+                <p:oleObj name="Equazione" r:id="rId4" imgW="1473120" imgH="2044440" progId="Equation.3">
                   <p:embed/>
                   <p:pic>
                     <p:nvPicPr>
@@ -6033,7 +6033,7 @@
                       <p:nvPr/>
                     </p:nvPicPr>
                     <p:blipFill>
-                      <a:blip r:embed="rId6">
+                      <a:blip r:embed="rId5">
                         <a:extLst>
                           <a:ext uri="{28A0092B-C50C-407E-A947-70E740481C1C}">
                             <a14:useLocalDpi xmlns:a14="http://schemas.microsoft.com/office/drawing/2010/main" val="0"/>
@@ -6594,12 +6594,12 @@
           <a:graphicData uri="http://schemas.openxmlformats.org/presentationml/2006/ole">
             <mc:AlternateContent xmlns:mc="http://schemas.openxmlformats.org/markup-compatibility/2006">
               <mc:Choice xmlns:v="urn:schemas-microsoft-com:vml" Requires="v">
-                <p:oleObj spid="_x0000_s115750" name="Equazione" r:id="rId3" imgW="2679480" imgH="2082600" progId="Equation.3">
+                <p:oleObj name="Equazione" r:id="rId2" imgW="2679480" imgH="2082600" progId="Equation.3">
                   <p:embed/>
                 </p:oleObj>
               </mc:Choice>
               <mc:Fallback>
-                <p:oleObj name="Equazione" r:id="rId3" imgW="2679480" imgH="2082600" progId="Equation.3">
+                <p:oleObj name="Equazione" r:id="rId2" imgW="2679480" imgH="2082600" progId="Equation.3">
                   <p:embed/>
                   <p:pic>
                     <p:nvPicPr>
@@ -6610,7 +6610,7 @@
                       <p:nvPr/>
                     </p:nvPicPr>
                     <p:blipFill>
-                      <a:blip r:embed="rId4">
+                      <a:blip r:embed="rId3">
                         <a:extLst>
                           <a:ext uri="{28A0092B-C50C-407E-A947-70E740481C1C}">
                             <a14:useLocalDpi xmlns:a14="http://schemas.microsoft.com/office/drawing/2010/main" val="0"/>
@@ -6670,12 +6670,12 @@
           <a:graphicData uri="http://schemas.openxmlformats.org/presentationml/2006/ole">
             <mc:AlternateContent xmlns:mc="http://schemas.openxmlformats.org/markup-compatibility/2006">
               <mc:Choice xmlns:v="urn:schemas-microsoft-com:vml" Requires="v">
-                <p:oleObj spid="_x0000_s115751" name="Equazione" r:id="rId5" imgW="2717640" imgH="2057400" progId="Equation.3">
+                <p:oleObj name="Equazione" r:id="rId4" imgW="2717640" imgH="2057400" progId="Equation.3">
                   <p:embed/>
                 </p:oleObj>
               </mc:Choice>
               <mc:Fallback>
-                <p:oleObj name="Equazione" r:id="rId5" imgW="2717640" imgH="2057400" progId="Equation.3">
+                <p:oleObj name="Equazione" r:id="rId4" imgW="2717640" imgH="2057400" progId="Equation.3">
                   <p:embed/>
                   <p:pic>
                     <p:nvPicPr>
@@ -6686,7 +6686,7 @@
                       <p:nvPr/>
                     </p:nvPicPr>
                     <p:blipFill>
-                      <a:blip r:embed="rId6"/>
+                      <a:blip r:embed="rId5"/>
                       <a:srcRect/>
                       <a:stretch>
                         <a:fillRect/>
@@ -8144,7 +8144,12 @@
             <p:ph idx="1"/>
           </p:nvPr>
         </p:nvSpPr>
-        <p:spPr/>
+        <p:spPr>
+          <a:xfrm>
+            <a:off x="359532" y="1125538"/>
+            <a:ext cx="8568952" cy="4970462"/>
+          </a:xfrm>
+        </p:spPr>
         <p:txBody>
           <a:bodyPr>
             <a:normAutofit fontScale="70000" lnSpcReduction="20000"/>
@@ -8533,6 +8538,97 @@
             <a:r>
               <a:rPr lang="it-IT" dirty="0"/>
               <a:t>!</a:t>
+            </a:r>
+          </a:p>
+          <a:p>
+            <a:pPr lvl="1"/>
+            <a:r>
+              <a:rPr lang="it-IT" dirty="0">
+                <a:solidFill>
+                  <a:srgbClr val="FF0000"/>
+                </a:solidFill>
+              </a:rPr>
+              <a:t>More </a:t>
+            </a:r>
+            <a:r>
+              <a:rPr lang="it-IT" dirty="0" err="1">
+                <a:solidFill>
+                  <a:srgbClr val="FF0000"/>
+                </a:solidFill>
+              </a:rPr>
+              <a:t>recently</a:t>
+            </a:r>
+            <a:r>
+              <a:rPr lang="it-IT" dirty="0">
+                <a:solidFill>
+                  <a:srgbClr val="FF0000"/>
+                </a:solidFill>
+              </a:rPr>
+              <a:t>: Edwards </a:t>
+            </a:r>
+            <a:r>
+              <a:rPr lang="it-IT" dirty="0" err="1">
+                <a:solidFill>
+                  <a:srgbClr val="FF0000"/>
+                </a:solidFill>
+              </a:rPr>
+              <a:t>curves</a:t>
+            </a:r>
+            <a:r>
+              <a:rPr lang="it-IT" dirty="0">
+                <a:solidFill>
+                  <a:srgbClr val="FF0000"/>
+                </a:solidFill>
+              </a:rPr>
+              <a:t> (</a:t>
+            </a:r>
+            <a:r>
+              <a:rPr lang="it-IT" dirty="0" err="1">
+                <a:solidFill>
+                  <a:srgbClr val="FF0000"/>
+                </a:solidFill>
+              </a:rPr>
+              <a:t>different</a:t>
+            </a:r>
+            <a:r>
+              <a:rPr lang="it-IT" dirty="0">
+                <a:solidFill>
+                  <a:srgbClr val="FF0000"/>
+                </a:solidFill>
+              </a:rPr>
+              <a:t> </a:t>
+            </a:r>
+            <a:r>
+              <a:rPr lang="it-IT" dirty="0" err="1">
+                <a:solidFill>
+                  <a:srgbClr val="FF0000"/>
+                </a:solidFill>
+              </a:rPr>
+              <a:t>equation</a:t>
+            </a:r>
+            <a:r>
+              <a:rPr lang="it-IT" dirty="0">
+                <a:solidFill>
+                  <a:srgbClr val="FF0000"/>
+                </a:solidFill>
+              </a:rPr>
+              <a:t> – no more </a:t>
+            </a:r>
+            <a:r>
+              <a:rPr lang="it-IT" dirty="0" err="1">
+                <a:solidFill>
+                  <a:srgbClr val="FF0000"/>
+                </a:solidFill>
+              </a:rPr>
+              <a:t>Weierstrass</a:t>
+            </a:r>
+            <a:r>
+              <a:rPr lang="it-IT" dirty="0">
+                <a:solidFill>
+                  <a:srgbClr val="FF0000"/>
+                </a:solidFill>
+              </a:rPr>
+              <a:t>)</a:t>
             </a:r>
           </a:p>
           <a:p>
@@ -9102,6 +9198,49 @@
                                   </p:childTnLst>
                                 </p:cTn>
                               </p:par>
+                              <p:par>
+                                <p:cTn id="37" presetID="9" presetClass="entr" presetSubtype="0" fill="hold" grpId="0" nodeType="withEffect">
+                                  <p:stCondLst>
+                                    <p:cond delay="0"/>
+                                  </p:stCondLst>
+                                  <p:childTnLst>
+                                    <p:set>
+                                      <p:cBhvr>
+                                        <p:cTn id="38" dur="1" fill="hold">
+                                          <p:stCondLst>
+                                            <p:cond delay="0"/>
+                                          </p:stCondLst>
+                                        </p:cTn>
+                                        <p:tgtEl>
+                                          <p:spTgt spid="3">
+                                            <p:txEl>
+                                              <p:pRg st="11" end="11"/>
+                                            </p:txEl>
+                                          </p:spTgt>
+                                        </p:tgtEl>
+                                        <p:attrNameLst>
+                                          <p:attrName>style.visibility</p:attrName>
+                                        </p:attrNameLst>
+                                      </p:cBhvr>
+                                      <p:to>
+                                        <p:strVal val="visible"/>
+                                      </p:to>
+                                    </p:set>
+                                    <p:animEffect transition="in" filter="dissolve">
+                                      <p:cBhvr>
+                                        <p:cTn id="39" dur="500"/>
+                                        <p:tgtEl>
+                                          <p:spTgt spid="3">
+                                            <p:txEl>
+                                              <p:pRg st="11" end="11"/>
+                                            </p:txEl>
+                                          </p:spTgt>
+                                        </p:tgtEl>
+                                      </p:cBhvr>
+                                    </p:animEffect>
+                                  </p:childTnLst>
+                                </p:cTn>
+                              </p:par>
                             </p:childTnLst>
                           </p:cTn>
                         </p:par>
@@ -9109,26 +9248,26 @@
                     </p:cTn>
                   </p:par>
                   <p:par>
-                    <p:cTn id="37" fill="hold">
+                    <p:cTn id="40" fill="hold">
                       <p:stCondLst>
                         <p:cond delay="indefinite"/>
                       </p:stCondLst>
                       <p:childTnLst>
                         <p:par>
-                          <p:cTn id="38" fill="hold">
+                          <p:cTn id="41" fill="hold">
                             <p:stCondLst>
                               <p:cond delay="0"/>
                             </p:stCondLst>
                             <p:childTnLst>
                               <p:par>
-                                <p:cTn id="39" presetID="9" presetClass="entr" presetSubtype="0" fill="hold" grpId="0" nodeType="clickEffect">
+                                <p:cTn id="42" presetID="9" presetClass="entr" presetSubtype="0" fill="hold" grpId="0" nodeType="clickEffect">
                                   <p:stCondLst>
                                     <p:cond delay="0"/>
                                   </p:stCondLst>
                                   <p:childTnLst>
                                     <p:set>
                                       <p:cBhvr>
-                                        <p:cTn id="40" dur="1" fill="hold">
+                                        <p:cTn id="43" dur="1" fill="hold">
                                           <p:stCondLst>
                                             <p:cond delay="0"/>
                                           </p:stCondLst>
@@ -9136,7 +9275,7 @@
                                         <p:tgtEl>
                                           <p:spTgt spid="3">
                                             <p:txEl>
-                                              <p:pRg st="11" end="11"/>
+                                              <p:pRg st="12" end="12"/>
                                             </p:txEl>
                                           </p:spTgt>
                                         </p:tgtEl>
@@ -9150,11 +9289,11 @@
                                     </p:set>
                                     <p:animEffect transition="in" filter="dissolve">
                                       <p:cBhvr>
-                                        <p:cTn id="41" dur="500"/>
+                                        <p:cTn id="44" dur="500"/>
                                         <p:tgtEl>
                                           <p:spTgt spid="3">
                                             <p:txEl>
-                                              <p:pRg st="11" end="11"/>
+                                              <p:pRg st="12" end="12"/>
                                             </p:txEl>
                                           </p:spTgt>
                                         </p:tgtEl>
@@ -9164,14 +9303,14 @@
                                 </p:cTn>
                               </p:par>
                               <p:par>
-                                <p:cTn id="42" presetID="9" presetClass="entr" presetSubtype="0" fill="hold" grpId="0" nodeType="withEffect">
+                                <p:cTn id="45" presetID="9" presetClass="entr" presetSubtype="0" fill="hold" grpId="0" nodeType="withEffect">
                                   <p:stCondLst>
                                     <p:cond delay="0"/>
                                   </p:stCondLst>
                                   <p:childTnLst>
                                     <p:set>
                                       <p:cBhvr>
-                                        <p:cTn id="43" dur="1" fill="hold">
+                                        <p:cTn id="46" dur="1" fill="hold">
                                           <p:stCondLst>
                                             <p:cond delay="0"/>
                                           </p:stCondLst>
@@ -9179,7 +9318,7 @@
                                         <p:tgtEl>
                                           <p:spTgt spid="3">
                                             <p:txEl>
-                                              <p:pRg st="12" end="12"/>
+                                              <p:pRg st="13" end="13"/>
                                             </p:txEl>
                                           </p:spTgt>
                                         </p:tgtEl>
@@ -9193,11 +9332,11 @@
                                     </p:set>
                                     <p:animEffect transition="in" filter="dissolve">
                                       <p:cBhvr>
-                                        <p:cTn id="44" dur="500"/>
+                                        <p:cTn id="47" dur="500"/>
                                         <p:tgtEl>
                                           <p:spTgt spid="3">
                                             <p:txEl>
-                                              <p:pRg st="12" end="12"/>
+                                              <p:pRg st="13" end="13"/>
                                             </p:txEl>
                                           </p:spTgt>
                                         </p:tgtEl>
@@ -11483,12 +11622,12 @@
           <a:graphicData uri="http://schemas.openxmlformats.org/presentationml/2006/ole">
             <mc:AlternateContent xmlns:mc="http://schemas.openxmlformats.org/markup-compatibility/2006">
               <mc:Choice xmlns:v="urn:schemas-microsoft-com:vml" Requires="v">
-                <p:oleObj spid="_x0000_s119828" name="Equazione" r:id="rId3" imgW="2463480" imgH="2717640" progId="Equation.3">
+                <p:oleObj name="Equazione" r:id="rId2" imgW="2463480" imgH="2717640" progId="Equation.3">
                   <p:embed/>
                 </p:oleObj>
               </mc:Choice>
               <mc:Fallback>
-                <p:oleObj name="Equazione" r:id="rId3" imgW="2463480" imgH="2717640" progId="Equation.3">
+                <p:oleObj name="Equazione" r:id="rId2" imgW="2463480" imgH="2717640" progId="Equation.3">
                   <p:embed/>
                   <p:pic>
                     <p:nvPicPr>
@@ -11499,7 +11638,7 @@
                       <p:nvPr/>
                     </p:nvPicPr>
                     <p:blipFill>
-                      <a:blip r:embed="rId4">
+                      <a:blip r:embed="rId3">
                         <a:extLst>
                           <a:ext uri="{28A0092B-C50C-407E-A947-70E740481C1C}">
                             <a14:useLocalDpi xmlns:a14="http://schemas.microsoft.com/office/drawing/2010/main" val="0"/>
@@ -16107,12 +16246,12 @@
           <a:graphicData uri="http://schemas.openxmlformats.org/presentationml/2006/ole">
             <mc:AlternateContent xmlns:mc="http://schemas.openxmlformats.org/markup-compatibility/2006">
               <mc:Choice xmlns:v="urn:schemas-microsoft-com:vml" Requires="v">
-                <p:oleObj spid="_x0000_s131089" name="Equazione" r:id="rId3" imgW="2463480" imgH="660240" progId="Equation.3">
+                <p:oleObj name="Equazione" r:id="rId2" imgW="2463480" imgH="660240" progId="Equation.3">
                   <p:embed/>
                 </p:oleObj>
               </mc:Choice>
               <mc:Fallback>
-                <p:oleObj name="Equazione" r:id="rId3" imgW="2463480" imgH="660240" progId="Equation.3">
+                <p:oleObj name="Equazione" r:id="rId2" imgW="2463480" imgH="660240" progId="Equation.3">
                   <p:embed/>
                   <p:pic>
                     <p:nvPicPr>
@@ -16123,7 +16262,7 @@
                       <p:nvPr/>
                     </p:nvPicPr>
                     <p:blipFill>
-                      <a:blip r:embed="rId4"/>
+                      <a:blip r:embed="rId3"/>
                       <a:srcRect/>
                       <a:stretch>
                         <a:fillRect/>
@@ -16866,12 +17005,12 @@
           <a:graphicData uri="http://schemas.openxmlformats.org/presentationml/2006/ole">
             <mc:AlternateContent xmlns:mc="http://schemas.openxmlformats.org/markup-compatibility/2006">
               <mc:Choice xmlns:v="urn:schemas-microsoft-com:vml" Requires="v">
-                <p:oleObj spid="_x0000_s125974" name="Equazione" r:id="rId3" imgW="1562040" imgH="241200" progId="Equation.3">
+                <p:oleObj name="Equazione" r:id="rId2" imgW="1562040" imgH="241200" progId="Equation.3">
                   <p:embed/>
                 </p:oleObj>
               </mc:Choice>
               <mc:Fallback>
-                <p:oleObj name="Equazione" r:id="rId3" imgW="1562040" imgH="241200" progId="Equation.3">
+                <p:oleObj name="Equazione" r:id="rId2" imgW="1562040" imgH="241200" progId="Equation.3">
                   <p:embed/>
                   <p:pic>
                     <p:nvPicPr>
@@ -16882,7 +17021,7 @@
                       <p:nvPr/>
                     </p:nvPicPr>
                     <p:blipFill>
-                      <a:blip r:embed="rId4">
+                      <a:blip r:embed="rId3">
                         <a:extLst>
                           <a:ext uri="{28A0092B-C50C-407E-A947-70E740481C1C}">
                             <a14:useLocalDpi xmlns:a14="http://schemas.microsoft.com/office/drawing/2010/main" val="0"/>
@@ -20803,12 +20942,12 @@
           <a:graphicData uri="http://schemas.openxmlformats.org/presentationml/2006/ole">
             <mc:AlternateContent xmlns:mc="http://schemas.openxmlformats.org/markup-compatibility/2006">
               <mc:Choice xmlns:v="urn:schemas-microsoft-com:vml" Requires="v">
-                <p:oleObj spid="_x0000_s126997" name="Equazione" r:id="rId3" imgW="2197080" imgH="1371600" progId="Equation.3">
+                <p:oleObj name="Equazione" r:id="rId2" imgW="2197080" imgH="1371600" progId="Equation.3">
                   <p:embed/>
                 </p:oleObj>
               </mc:Choice>
               <mc:Fallback>
-                <p:oleObj name="Equazione" r:id="rId3" imgW="2197080" imgH="1371600" progId="Equation.3">
+                <p:oleObj name="Equazione" r:id="rId2" imgW="2197080" imgH="1371600" progId="Equation.3">
                   <p:embed/>
                   <p:pic>
                     <p:nvPicPr>
@@ -20819,7 +20958,7 @@
                       <p:nvPr/>
                     </p:nvPicPr>
                     <p:blipFill>
-                      <a:blip r:embed="rId4">
+                      <a:blip r:embed="rId3">
                         <a:extLst>
                           <a:ext uri="{28A0092B-C50C-407E-A947-70E740481C1C}">
                             <a14:useLocalDpi xmlns:a14="http://schemas.microsoft.com/office/drawing/2010/main" val="0"/>
@@ -21849,12 +21988,12 @@
           <a:graphicData uri="http://schemas.openxmlformats.org/presentationml/2006/ole">
             <mc:AlternateContent xmlns:mc="http://schemas.openxmlformats.org/markup-compatibility/2006">
               <mc:Choice xmlns:v="urn:schemas-microsoft-com:vml" Requires="v">
-                <p:oleObj spid="_x0000_s128020" name="Equazione" r:id="rId3" imgW="1993680" imgH="1155600" progId="Equation.3">
+                <p:oleObj name="Equazione" r:id="rId2" imgW="1993680" imgH="1155600" progId="Equation.3">
                   <p:embed/>
                 </p:oleObj>
               </mc:Choice>
               <mc:Fallback>
-                <p:oleObj name="Equazione" r:id="rId3" imgW="1993680" imgH="1155600" progId="Equation.3">
+                <p:oleObj name="Equazione" r:id="rId2" imgW="1993680" imgH="1155600" progId="Equation.3">
                   <p:embed/>
                   <p:pic>
                     <p:nvPicPr>
@@ -21865,7 +22004,7 @@
                       <p:nvPr/>
                     </p:nvPicPr>
                     <p:blipFill>
-                      <a:blip r:embed="rId4">
+                      <a:blip r:embed="rId3">
                         <a:extLst>
                           <a:ext uri="{28A0092B-C50C-407E-A947-70E740481C1C}">
                             <a14:useLocalDpi xmlns:a14="http://schemas.microsoft.com/office/drawing/2010/main" val="0"/>
@@ -22126,12 +22265,12 @@
           <a:graphicData uri="http://schemas.openxmlformats.org/presentationml/2006/ole">
             <mc:AlternateContent xmlns:mc="http://schemas.openxmlformats.org/markup-compatibility/2006">
               <mc:Choice xmlns:v="urn:schemas-microsoft-com:vml" Requires="v">
-                <p:oleObj spid="_x0000_s129044" name="Equazione" r:id="rId3" imgW="4317840" imgH="1968480" progId="Equation.3">
+                <p:oleObj name="Equazione" r:id="rId2" imgW="4317840" imgH="1968480" progId="Equation.3">
                   <p:embed/>
                 </p:oleObj>
               </mc:Choice>
               <mc:Fallback>
-                <p:oleObj name="Equazione" r:id="rId3" imgW="4317840" imgH="1968480" progId="Equation.3">
+                <p:oleObj name="Equazione" r:id="rId2" imgW="4317840" imgH="1968480" progId="Equation.3">
                   <p:embed/>
                   <p:pic>
                     <p:nvPicPr>
@@ -22142,7 +22281,7 @@
                       <p:nvPr/>
                     </p:nvPicPr>
                     <p:blipFill>
-                      <a:blip r:embed="rId4"/>
+                      <a:blip r:embed="rId3"/>
                       <a:srcRect/>
                       <a:stretch>
                         <a:fillRect/>
@@ -22182,8 +22321,8 @@
         </p:nvSpPr>
         <p:spPr>
           <a:xfrm>
-            <a:off x="719572" y="5714092"/>
-            <a:ext cx="6940233" cy="523220"/>
+            <a:off x="1249387" y="5589240"/>
+            <a:ext cx="7175041" cy="830997"/>
           </a:xfrm>
           <a:prstGeom prst="rect">
             <a:avLst/>
@@ -22258,23 +22397,74 @@
                   <a:srgbClr val="FF0000"/>
                 </a:solidFill>
               </a:rPr>
-              <a:t> </a:t>
-            </a:r>
-            <a:r>
-              <a:rPr lang="it-IT" sz="2800" b="1" dirty="0" err="1">
+              <a:t> with Sony’s Playstation 3</a:t>
+            </a:r>
+          </a:p>
+          <a:p>
+            <a:r>
+              <a:rPr lang="it-IT" b="1">
                 <a:solidFill>
                   <a:srgbClr val="FF0000"/>
                 </a:solidFill>
               </a:rPr>
-              <a:t>with</a:t>
-            </a:r>
-            <a:r>
-              <a:rPr lang="it-IT" sz="2800" b="1" dirty="0">
+              <a:t>see</a:t>
+            </a:r>
+            <a:r>
+              <a:rPr lang="it-IT" b="1" dirty="0">
                 <a:solidFill>
                   <a:srgbClr val="FF0000"/>
                 </a:solidFill>
               </a:rPr>
-              <a:t> Sony’s Playstation 3</a:t>
+              <a:t> </a:t>
+            </a:r>
+            <a:r>
+              <a:rPr lang="it-IT" b="1" dirty="0" err="1">
+                <a:solidFill>
+                  <a:srgbClr val="FF0000"/>
+                </a:solidFill>
+              </a:rPr>
+              <a:t>also</a:t>
+            </a:r>
+            <a:r>
+              <a:rPr lang="it-IT" b="1" dirty="0">
+                <a:solidFill>
+                  <a:srgbClr val="FF0000"/>
+                </a:solidFill>
+              </a:rPr>
+              <a:t> </a:t>
+            </a:r>
+            <a:r>
+              <a:rPr lang="it-IT" b="1" dirty="0">
+                <a:solidFill>
+                  <a:srgbClr val="FF0000"/>
+                </a:solidFill>
+                <a:hlinkClick r:id="rId4"/>
+              </a:rPr>
+              <a:t>https://bertcmiller.com/glimpse.html</a:t>
+            </a:r>
+            <a:r>
+              <a:rPr lang="it-IT" b="1" dirty="0">
+                <a:solidFill>
+                  <a:srgbClr val="FF0000"/>
+                </a:solidFill>
+              </a:rPr>
+              <a:t> for </a:t>
+            </a:r>
+            <a:r>
+              <a:rPr lang="it-IT" b="1" dirty="0" err="1">
+                <a:solidFill>
+                  <a:srgbClr val="FF0000"/>
+                </a:solidFill>
+              </a:rPr>
+              <a:t>another</a:t>
+            </a:r>
+            <a:r>
+              <a:rPr lang="it-IT" b="1" dirty="0">
+                <a:solidFill>
+                  <a:srgbClr val="FF0000"/>
+                </a:solidFill>
+              </a:rPr>
+              <a:t> horror story</a:t>
             </a:r>
           </a:p>
         </p:txBody>
@@ -26205,9 +26395,9 @@
 </file>
 
 <file path=customXml/item1.xml><?xml version="1.0" encoding="utf-8"?>
-<ct:contentTypeSchema xmlns:ct="http://schemas.microsoft.com/office/2006/metadata/contentType" xmlns:ma="http://schemas.microsoft.com/office/2006/metadata/properties/metaAttributes" ct:_="" ma:_="" ma:contentTypeName="Document" ma:contentTypeID="0x010100F2781951D3CFA64AA3493CD3E6442C76" ma:contentTypeVersion="4" ma:contentTypeDescription="Create a new document." ma:contentTypeScope="" ma:versionID="33b04b29ce0c91dc799030f484f393b5">
-  <xsd:schema xmlns:xsd="http://www.w3.org/2001/XMLSchema" xmlns:xs="http://www.w3.org/2001/XMLSchema" xmlns:p="http://schemas.microsoft.com/office/2006/metadata/properties" xmlns:ns2="aae43852-53e9-4813-a3db-c50f0e7934bf" targetNamespace="http://schemas.microsoft.com/office/2006/metadata/properties" ma:root="true" ma:fieldsID="61c2abcdba811c9a68e7a9f8c502e21f" ns2:_="">
-    <xsd:import namespace="aae43852-53e9-4813-a3db-c50f0e7934bf"/>
+<ct:contentTypeSchema xmlns:ct="http://schemas.microsoft.com/office/2006/metadata/contentType" xmlns:ma="http://schemas.microsoft.com/office/2006/metadata/properties/metaAttributes" ct:_="" ma:_="" ma:contentTypeName="Documento" ma:contentTypeID="0x010100E3E8458D254D7543B8EE0336155E759B" ma:contentTypeVersion="6" ma:contentTypeDescription="Creare un nuovo documento." ma:contentTypeScope="" ma:versionID="634e05960707776122f6c34782d58d55">
+  <xsd:schema xmlns:xsd="http://www.w3.org/2001/XMLSchema" xmlns:xs="http://www.w3.org/2001/XMLSchema" xmlns:p="http://schemas.microsoft.com/office/2006/metadata/properties" xmlns:ns2="2154ac9b-a8e0-4f77-b94d-78f05534efde" targetNamespace="http://schemas.microsoft.com/office/2006/metadata/properties" ma:root="true" ma:fieldsID="550181c30c827cd1adfb638e20e39b69" ns2:_="">
+    <xsd:import namespace="2154ac9b-a8e0-4f77-b94d-78f05534efde"/>
     <xsd:element name="properties">
       <xsd:complexType>
         <xsd:sequence>
@@ -26218,6 +26408,8 @@
                 <xsd:element ref="ns2:MediaServiceFastMetadata" minOccurs="0"/>
                 <xsd:element ref="ns2:MediaServiceSearchProperties" minOccurs="0"/>
                 <xsd:element ref="ns2:MediaServiceObjectDetectorVersions" minOccurs="0"/>
+                <xsd:element ref="ns2:MediaServiceGenerationTime" minOccurs="0"/>
+                <xsd:element ref="ns2:MediaServiceEventHashCode" minOccurs="0"/>
               </xsd:all>
             </xsd:complexType>
           </xsd:element>
@@ -26225,7 +26417,7 @@
       </xsd:complexType>
     </xsd:element>
   </xsd:schema>
-  <xsd:schema xmlns:xsd="http://www.w3.org/2001/XMLSchema" xmlns:xs="http://www.w3.org/2001/XMLSchema" xmlns:dms="http://schemas.microsoft.com/office/2006/documentManagement/types" xmlns:pc="http://schemas.microsoft.com/office/infopath/2007/PartnerControls" targetNamespace="aae43852-53e9-4813-a3db-c50f0e7934bf" elementFormDefault="qualified">
+  <xsd:schema xmlns:xsd="http://www.w3.org/2001/XMLSchema" xmlns:xs="http://www.w3.org/2001/XMLSchema" xmlns:dms="http://schemas.microsoft.com/office/2006/documentManagement/types" xmlns:pc="http://schemas.microsoft.com/office/infopath/2007/PartnerControls" targetNamespace="2154ac9b-a8e0-4f77-b94d-78f05534efde" elementFormDefault="qualified">
     <xsd:import namespace="http://schemas.microsoft.com/office/2006/documentManagement/types"/>
     <xsd:import namespace="http://schemas.microsoft.com/office/infopath/2007/PartnerControls"/>
     <xsd:element name="MediaServiceMetadata" ma:index="8" nillable="true" ma:displayName="MediaServiceMetadata" ma:hidden="true" ma:internalName="MediaServiceMetadata" ma:readOnly="true">
@@ -26248,6 +26440,16 @@
         <xsd:restriction base="dms:Text"/>
       </xsd:simpleType>
     </xsd:element>
+    <xsd:element name="MediaServiceGenerationTime" ma:index="12" nillable="true" ma:displayName="MediaServiceGenerationTime" ma:hidden="true" ma:internalName="MediaServiceGenerationTime" ma:readOnly="true">
+      <xsd:simpleType>
+        <xsd:restriction base="dms:Text"/>
+      </xsd:simpleType>
+    </xsd:element>
+    <xsd:element name="MediaServiceEventHashCode" ma:index="13" nillable="true" ma:displayName="MediaServiceEventHashCode" ma:hidden="true" ma:internalName="MediaServiceEventHashCode" ma:readOnly="true">
+      <xsd:simpleType>
+        <xsd:restriction base="dms:Text"/>
+      </xsd:simpleType>
+    </xsd:element>
   </xsd:schema>
   <xsd:schema xmlns="http://schemas.openxmlformats.org/package/2006/metadata/core-properties" xmlns:xsd="http://www.w3.org/2001/XMLSchema" xmlns:xsi="http://www.w3.org/2001/XMLSchema-instance" xmlns:dc="http://purl.org/dc/elements/1.1/" xmlns:dcterms="http://purl.org/dc/terms/" xmlns:odoc="http://schemas.microsoft.com/internal/obd" targetNamespace="http://schemas.openxmlformats.org/package/2006/metadata/core-properties" elementFormDefault="qualified" attributeFormDefault="unqualified" blockDefault="#all">
     <xsd:import namespace="http://purl.org/dc/elements/1.1/" schemaLocation="http://dublincore.org/schemas/xmls/qdc/2003/04/02/dc.xsd"/>
@@ -26258,8 +26460,8 @@
         <xsd:element ref="dc:creator" minOccurs="0" maxOccurs="1"/>
         <xsd:element ref="dcterms:created" minOccurs="0" maxOccurs="1"/>
         <xsd:element ref="dc:identifier" minOccurs="0" maxOccurs="1"/>
-        <xsd:element name="contentType" minOccurs="0" maxOccurs="1" type="xsd:string" ma:index="0" ma:displayName="Content Type"/>
-        <xsd:element ref="dc:title" minOccurs="0" maxOccurs="1" ma:index="4" ma:displayName="Title"/>
+        <xsd:element name="contentType" minOccurs="0" maxOccurs="1" type="xsd:string" ma:index="0" ma:displayName="Tipo di contenuto"/>
+        <xsd:element ref="dc:title" minOccurs="0" maxOccurs="1" ma:index="4" ma:displayName="Titolo"/>
         <xsd:element ref="dc:subject" minOccurs="0" maxOccurs="1"/>
         <xsd:element ref="dc:description" minOccurs="0" maxOccurs="1"/>
         <xsd:element name="keywords" minOccurs="0" maxOccurs="1" type="xsd:string"/>
@@ -26364,13 +26566,13 @@
 </file>
 
 <file path=customXml/itemProps1.xml><?xml version="1.0" encoding="utf-8"?>
-<ds:datastoreItem xmlns:ds="http://schemas.openxmlformats.org/officeDocument/2006/customXml" ds:itemID="{3B81F02A-E64B-47C5-A022-ABB8D65D6FFB}"/>
+<ds:datastoreItem xmlns:ds="http://schemas.openxmlformats.org/officeDocument/2006/customXml" ds:itemID="{7A30FF70-0AE8-4391-912B-96520175DC10}"/>
 </file>
 
 <file path=customXml/itemProps2.xml><?xml version="1.0" encoding="utf-8"?>
-<ds:datastoreItem xmlns:ds="http://schemas.openxmlformats.org/officeDocument/2006/customXml" ds:itemID="{2EF8762B-79E5-472A-94C9-C47246C9F0B4}"/>
+<ds:datastoreItem xmlns:ds="http://schemas.openxmlformats.org/officeDocument/2006/customXml" ds:itemID="{33A43C66-22CA-4E56-B7E6-F6D418F302C9}"/>
 </file>
 
 <file path=customXml/itemProps3.xml><?xml version="1.0" encoding="utf-8"?>
-<ds:datastoreItem xmlns:ds="http://schemas.openxmlformats.org/officeDocument/2006/customXml" ds:itemID="{B5AA2875-45D9-49F7-BA5D-95657689B960}"/>
+<ds:datastoreItem xmlns:ds="http://schemas.openxmlformats.org/officeDocument/2006/customXml" ds:itemID="{28F92F44-AD30-4F7F-9548-82D384485428}"/>
 </file>